--- a/files/slides/lecture_2.pptx
+++ b/files/slides/lecture_2.pptx
@@ -10562,7 +10562,7 @@
         </a:p>
       </dgm:t>
     </dgm:pt>
-    <dgm:pt modelId="{60B4998A-4E41-4DBF-88EC-5A08C42E69E9}" cxnId="{2A9A82D9-855E-4234-BD0F-F3BBCC880B9C}" type="parTrans">
+    <dgm:pt modelId="{60B4998A-4E41-4DBF-88EC-5A08C42E69E9}" cxnId="{B3D03C0F-EA2C-46F9-B7BF-BB33F2B0FE26}" type="parTrans">
       <dgm:prSet/>
       <dgm:spPr/>
       <dgm:t>
@@ -10573,7 +10573,7 @@
         </a:p>
       </dgm:t>
     </dgm:pt>
-    <dgm:pt modelId="{2D3137F2-663F-4798-823B-729153C0EF60}" cxnId="{2A9A82D9-855E-4234-BD0F-F3BBCC880B9C}" type="sibTrans">
+    <dgm:pt modelId="{2D3137F2-663F-4798-823B-729153C0EF60}" cxnId="{B3D03C0F-EA2C-46F9-B7BF-BB33F2B0FE26}" type="sibTrans">
       <dgm:prSet/>
       <dgm:spPr/>
       <dgm:t>
@@ -10600,7 +10600,7 @@
         </a:p>
       </dgm:t>
     </dgm:pt>
-    <dgm:pt modelId="{7EC772AE-BD3B-4EAE-AA41-E9A2D31ADC8E}" cxnId="{E35A5E0B-3CAC-4143-8003-92F14F35449D}" type="parTrans">
+    <dgm:pt modelId="{7EC772AE-BD3B-4EAE-AA41-E9A2D31ADC8E}" cxnId="{714D42BE-E9D1-4815-8F30-6D56BF44FA4C}" type="parTrans">
       <dgm:prSet/>
       <dgm:spPr/>
       <dgm:t>
@@ -10611,7 +10611,7 @@
         </a:p>
       </dgm:t>
     </dgm:pt>
-    <dgm:pt modelId="{14B8EF22-AC76-4C98-8B7C-E654BDDB26AB}" cxnId="{E35A5E0B-3CAC-4143-8003-92F14F35449D}" type="sibTrans">
+    <dgm:pt modelId="{14B8EF22-AC76-4C98-8B7C-E654BDDB26AB}" cxnId="{714D42BE-E9D1-4815-8F30-6D56BF44FA4C}" type="sibTrans">
       <dgm:prSet/>
       <dgm:spPr/>
       <dgm:t>
@@ -10638,7 +10638,7 @@
         </a:p>
       </dgm:t>
     </dgm:pt>
-    <dgm:pt modelId="{B9B3C3BB-4A2E-4011-BE83-AED0DBF55EEA}" cxnId="{1E263EF3-54F9-4C5A-BD1D-19DCA68D635D}" type="parTrans">
+    <dgm:pt modelId="{B9B3C3BB-4A2E-4011-BE83-AED0DBF55EEA}" cxnId="{2153EDD2-C792-4430-BC0D-76E547D0EB13}" type="parTrans">
       <dgm:prSet/>
       <dgm:spPr/>
       <dgm:t>
@@ -10649,7 +10649,7 @@
         </a:p>
       </dgm:t>
     </dgm:pt>
-    <dgm:pt modelId="{900D7139-1B8B-4E23-91FE-8E72FB9B8A90}" cxnId="{1E263EF3-54F9-4C5A-BD1D-19DCA68D635D}" type="sibTrans">
+    <dgm:pt modelId="{900D7139-1B8B-4E23-91FE-8E72FB9B8A90}" cxnId="{2153EDD2-C792-4430-BC0D-76E547D0EB13}" type="sibTrans">
       <dgm:prSet/>
       <dgm:spPr/>
       <dgm:t>
@@ -10661,13 +10661,22 @@
       </dgm:t>
     </dgm:pt>
     <dgm:pt modelId="{CAE8F54B-6D5D-4C1D-A8CE-7FE2D1C225B5}">
-      <dgm:prSet/>
+      <dgm:prSet phldr="false" custT="false"/>
       <dgm:spPr/>
       <dgm:t>
-        <a:bodyPr/>
-        <a:lstStyle/>
+        <a:bodyPr vert="horz" wrap="square"/>
         <a:p>
-          <a:pPr rtl="0"/>
+          <a:pPr rtl="0">
+            <a:lnSpc>
+              <a:spcPct val="100000"/>
+            </a:lnSpc>
+            <a:spcBef>
+              <a:spcPct val="0"/>
+            </a:spcBef>
+            <a:spcAft>
+              <a:spcPct val="35000"/>
+            </a:spcAft>
+          </a:pPr>
           <a:r>
             <a:rPr lang="zh-CN" smtClean="0"/>
             <a:t>元组通过</a:t>
@@ -10694,7 +10703,7 @@
           </a:r>
           <a:r>
             <a:rPr lang="zh-CN" smtClean="0"/>
-            <a:t>函数创建一个列表。使用</a:t>
+            <a:t>函数创建一个列表，使用</a:t>
           </a:r>
           <a:r>
             <a:rPr lang="en-US" smtClean="0"/>
@@ -10704,11 +10713,15 @@
             <a:rPr lang="zh-CN" smtClean="0"/>
             <a:t>函数也可以将列表、字符串等元素转换为元组。</a:t>
           </a:r>
+          <a:r>
+            <a:rPr lang="zh-CN"/>
+            <a:t/>
+          </a:r>
           <a:endParaRPr lang="zh-CN"/>
         </a:p>
       </dgm:t>
     </dgm:pt>
-    <dgm:pt modelId="{E84359B5-AD6B-4CE5-A7FC-9A8B688B1E0F}" cxnId="{CA61648C-687A-40EC-BDFE-7C073BA63313}" type="parTrans">
+    <dgm:pt modelId="{E84359B5-AD6B-4CE5-A7FC-9A8B688B1E0F}" cxnId="{2EB1E057-1591-4961-9FBD-9133E45D6A61}" type="parTrans">
       <dgm:prSet/>
       <dgm:spPr/>
       <dgm:t>
@@ -10719,7 +10732,7 @@
         </a:p>
       </dgm:t>
     </dgm:pt>
-    <dgm:pt modelId="{CFF9CE37-F08D-44F2-B1D0-0834D97FA4D7}" cxnId="{CA61648C-687A-40EC-BDFE-7C073BA63313}" type="sibTrans">
+    <dgm:pt modelId="{CFF9CE37-F08D-44F2-B1D0-0834D97FA4D7}" cxnId="{2EB1E057-1591-4961-9FBD-9133E45D6A61}" type="sibTrans">
       <dgm:prSet/>
       <dgm:spPr/>
       <dgm:t>
@@ -10762,7 +10775,7 @@
         </a:p>
       </dgm:t>
     </dgm:pt>
-    <dgm:pt modelId="{FDB9D986-D07D-441C-922F-899316B8C49A}" cxnId="{7A3881B2-5452-4EBB-B905-86D4F68B4F85}" type="parTrans">
+    <dgm:pt modelId="{FDB9D986-D07D-441C-922F-899316B8C49A}" cxnId="{D609F5B3-B626-450E-97C4-A386D3462FB2}" type="parTrans">
       <dgm:prSet/>
       <dgm:spPr/>
       <dgm:t>
@@ -10773,7 +10786,7 @@
         </a:p>
       </dgm:t>
     </dgm:pt>
-    <dgm:pt modelId="{DFE0279F-EEE5-4182-8E07-408ED7AF327C}" cxnId="{7A3881B2-5452-4EBB-B905-86D4F68B4F85}" type="sibTrans">
+    <dgm:pt modelId="{DFE0279F-EEE5-4182-8E07-408ED7AF327C}" cxnId="{D609F5B3-B626-450E-97C4-A386D3462FB2}" type="sibTrans">
       <dgm:prSet/>
       <dgm:spPr/>
       <dgm:t>
@@ -10898,26 +10911,26 @@
     </dgm:pt>
   </dgm:ptLst>
   <dgm:cxnLst>
-    <dgm:cxn modelId="{5D518556-9ECE-48AD-975D-613F9FC075C0}" type="presOf" srcId="{7E192CC9-4E44-4E35-9CE3-7A0384E92D97}" destId="{E2C92C26-1FDD-4002-8E82-1D7F1B0BD8EC}" srcOrd="0" destOrd="0" presId="urn:microsoft.com/office/officeart/2005/8/layout/vList2"/>
-    <dgm:cxn modelId="{1E263EF3-54F9-4C5A-BD1D-19DCA68D635D}" srcId="{7E192CC9-4E44-4E35-9CE3-7A0384E92D97}" destId="{468584A0-DDB8-4AA3-ACB0-F00C2A13EC08}" srcOrd="2" destOrd="0" parTransId="{B9B3C3BB-4A2E-4011-BE83-AED0DBF55EEA}" sibTransId="{900D7139-1B8B-4E23-91FE-8E72FB9B8A90}"/>
-    <dgm:cxn modelId="{78C47173-C861-4603-8912-62843BE8647D}" type="presOf" srcId="{BAD5141B-85B6-4963-A7CB-3D5B8639DFFB}" destId="{63D3A705-3F9C-48EE-A510-F1182D549F79}" srcOrd="0" destOrd="0" presId="urn:microsoft.com/office/officeart/2005/8/layout/vList2"/>
-    <dgm:cxn modelId="{E35A5E0B-3CAC-4143-8003-92F14F35449D}" srcId="{7E192CC9-4E44-4E35-9CE3-7A0384E92D97}" destId="{235CD2BA-8FD7-4357-8F77-AF973EC1A10C}" srcOrd="1" destOrd="0" parTransId="{7EC772AE-BD3B-4EAE-AA41-E9A2D31ADC8E}" sibTransId="{14B8EF22-AC76-4C98-8B7C-E654BDDB26AB}"/>
-    <dgm:cxn modelId="{7A3881B2-5452-4EBB-B905-86D4F68B4F85}" srcId="{7E192CC9-4E44-4E35-9CE3-7A0384E92D97}" destId="{D39CD7FB-9BCC-4B01-832D-0759CA0131FC}" srcOrd="4" destOrd="0" parTransId="{FDB9D986-D07D-441C-922F-899316B8C49A}" sibTransId="{DFE0279F-EEE5-4182-8E07-408ED7AF327C}"/>
-    <dgm:cxn modelId="{CA61648C-687A-40EC-BDFE-7C073BA63313}" srcId="{7E192CC9-4E44-4E35-9CE3-7A0384E92D97}" destId="{CAE8F54B-6D5D-4C1D-A8CE-7FE2D1C225B5}" srcOrd="3" destOrd="0" parTransId="{E84359B5-AD6B-4CE5-A7FC-9A8B688B1E0F}" sibTransId="{CFF9CE37-F08D-44F2-B1D0-0834D97FA4D7}"/>
-    <dgm:cxn modelId="{8A35CF0D-B128-4014-9A11-1258AD8BCDF0}" type="presOf" srcId="{CAE8F54B-6D5D-4C1D-A8CE-7FE2D1C225B5}" destId="{63888720-E4A3-48BC-B6A8-117E2370F338}" srcOrd="0" destOrd="0" presId="urn:microsoft.com/office/officeart/2005/8/layout/vList2"/>
-    <dgm:cxn modelId="{810AC696-8DC2-447D-BA45-E4DEE636F427}" type="presOf" srcId="{D39CD7FB-9BCC-4B01-832D-0759CA0131FC}" destId="{25AFF23C-40CF-4A0D-840E-DD2AE11D9436}" srcOrd="0" destOrd="0" presId="urn:microsoft.com/office/officeart/2005/8/layout/vList2"/>
-    <dgm:cxn modelId="{B8E7B347-657F-434F-98BD-9B24E7DB99F0}" type="presOf" srcId="{235CD2BA-8FD7-4357-8F77-AF973EC1A10C}" destId="{C5B0484F-F5B7-414E-956F-D907BD07AD4A}" srcOrd="0" destOrd="0" presId="urn:microsoft.com/office/officeart/2005/8/layout/vList2"/>
-    <dgm:cxn modelId="{2A9A82D9-855E-4234-BD0F-F3BBCC880B9C}" srcId="{7E192CC9-4E44-4E35-9CE3-7A0384E92D97}" destId="{BAD5141B-85B6-4963-A7CB-3D5B8639DFFB}" srcOrd="0" destOrd="0" parTransId="{60B4998A-4E41-4DBF-88EC-5A08C42E69E9}" sibTransId="{2D3137F2-663F-4798-823B-729153C0EF60}"/>
-    <dgm:cxn modelId="{885BCFB6-11EB-4E46-8F5D-3215D37D911E}" type="presOf" srcId="{468584A0-DDB8-4AA3-ACB0-F00C2A13EC08}" destId="{7CB21A2D-6C6F-4832-92EE-F5D45592032E}" srcOrd="0" destOrd="0" presId="urn:microsoft.com/office/officeart/2005/8/layout/vList2"/>
-    <dgm:cxn modelId="{748BD70E-1D02-4686-84A9-C36499D0BE44}" type="presParOf" srcId="{E2C92C26-1FDD-4002-8E82-1D7F1B0BD8EC}" destId="{63D3A705-3F9C-48EE-A510-F1182D549F79}" srcOrd="0" destOrd="0" presId="urn:microsoft.com/office/officeart/2005/8/layout/vList2"/>
-    <dgm:cxn modelId="{B7499711-319B-41E5-A9F1-CA07B120D1C2}" type="presParOf" srcId="{E2C92C26-1FDD-4002-8E82-1D7F1B0BD8EC}" destId="{DC399304-C0FA-43DE-B176-0F5CF7FDC14D}" srcOrd="1" destOrd="0" presId="urn:microsoft.com/office/officeart/2005/8/layout/vList2"/>
-    <dgm:cxn modelId="{C2F2A036-13B7-4965-8D5D-7BBCEFB48CEB}" type="presParOf" srcId="{E2C92C26-1FDD-4002-8E82-1D7F1B0BD8EC}" destId="{C5B0484F-F5B7-414E-956F-D907BD07AD4A}" srcOrd="2" destOrd="0" presId="urn:microsoft.com/office/officeart/2005/8/layout/vList2"/>
-    <dgm:cxn modelId="{0F9D87FA-DA7A-48B7-B79E-4E434D6A7162}" type="presParOf" srcId="{E2C92C26-1FDD-4002-8E82-1D7F1B0BD8EC}" destId="{3B033130-B86B-4016-94C1-98BF8E8DFA41}" srcOrd="3" destOrd="0" presId="urn:microsoft.com/office/officeart/2005/8/layout/vList2"/>
-    <dgm:cxn modelId="{B5276EB0-3AD0-4B98-B17E-06A0B73B97E7}" type="presParOf" srcId="{E2C92C26-1FDD-4002-8E82-1D7F1B0BD8EC}" destId="{7CB21A2D-6C6F-4832-92EE-F5D45592032E}" srcOrd="4" destOrd="0" presId="urn:microsoft.com/office/officeart/2005/8/layout/vList2"/>
-    <dgm:cxn modelId="{1D412018-34F5-4C05-AD17-82BB25ED30B9}" type="presParOf" srcId="{E2C92C26-1FDD-4002-8E82-1D7F1B0BD8EC}" destId="{4D336597-D963-4C30-B2E4-C45D45087F89}" srcOrd="5" destOrd="0" presId="urn:microsoft.com/office/officeart/2005/8/layout/vList2"/>
-    <dgm:cxn modelId="{0FC5CEAC-6F03-4B01-BEFF-7426C27E8559}" type="presParOf" srcId="{E2C92C26-1FDD-4002-8E82-1D7F1B0BD8EC}" destId="{63888720-E4A3-48BC-B6A8-117E2370F338}" srcOrd="6" destOrd="0" presId="urn:microsoft.com/office/officeart/2005/8/layout/vList2"/>
-    <dgm:cxn modelId="{DD9E88FB-2AE2-49AC-8073-8E6FE5C6A75B}" type="presParOf" srcId="{E2C92C26-1FDD-4002-8E82-1D7F1B0BD8EC}" destId="{4ACBFCB5-122A-4CD5-84E8-3706B4BA6490}" srcOrd="7" destOrd="0" presId="urn:microsoft.com/office/officeart/2005/8/layout/vList2"/>
-    <dgm:cxn modelId="{FDDC3227-AD39-4CF3-8B27-8286309235AC}" type="presParOf" srcId="{E2C92C26-1FDD-4002-8E82-1D7F1B0BD8EC}" destId="{25AFF23C-40CF-4A0D-840E-DD2AE11D9436}" srcOrd="8" destOrd="0" presId="urn:microsoft.com/office/officeart/2005/8/layout/vList2"/>
+    <dgm:cxn modelId="{B3D03C0F-EA2C-46F9-B7BF-BB33F2B0FE26}" srcId="{7E192CC9-4E44-4E35-9CE3-7A0384E92D97}" destId="{BAD5141B-85B6-4963-A7CB-3D5B8639DFFB}" srcOrd="0" destOrd="0" parTransId="{60B4998A-4E41-4DBF-88EC-5A08C42E69E9}" sibTransId="{2D3137F2-663F-4798-823B-729153C0EF60}"/>
+    <dgm:cxn modelId="{714D42BE-E9D1-4815-8F30-6D56BF44FA4C}" srcId="{7E192CC9-4E44-4E35-9CE3-7A0384E92D97}" destId="{235CD2BA-8FD7-4357-8F77-AF973EC1A10C}" srcOrd="1" destOrd="0" parTransId="{7EC772AE-BD3B-4EAE-AA41-E9A2D31ADC8E}" sibTransId="{14B8EF22-AC76-4C98-8B7C-E654BDDB26AB}"/>
+    <dgm:cxn modelId="{2153EDD2-C792-4430-BC0D-76E547D0EB13}" srcId="{7E192CC9-4E44-4E35-9CE3-7A0384E92D97}" destId="{468584A0-DDB8-4AA3-ACB0-F00C2A13EC08}" srcOrd="2" destOrd="0" parTransId="{B9B3C3BB-4A2E-4011-BE83-AED0DBF55EEA}" sibTransId="{900D7139-1B8B-4E23-91FE-8E72FB9B8A90}"/>
+    <dgm:cxn modelId="{2EB1E057-1591-4961-9FBD-9133E45D6A61}" srcId="{7E192CC9-4E44-4E35-9CE3-7A0384E92D97}" destId="{CAE8F54B-6D5D-4C1D-A8CE-7FE2D1C225B5}" srcOrd="3" destOrd="0" parTransId="{E84359B5-AD6B-4CE5-A7FC-9A8B688B1E0F}" sibTransId="{CFF9CE37-F08D-44F2-B1D0-0834D97FA4D7}"/>
+    <dgm:cxn modelId="{D609F5B3-B626-450E-97C4-A386D3462FB2}" srcId="{7E192CC9-4E44-4E35-9CE3-7A0384E92D97}" destId="{D39CD7FB-9BCC-4B01-832D-0759CA0131FC}" srcOrd="4" destOrd="0" parTransId="{FDB9D986-D07D-441C-922F-899316B8C49A}" sibTransId="{DFE0279F-EEE5-4182-8E07-408ED7AF327C}"/>
+    <dgm:cxn modelId="{3B0AB3DD-C87D-42B7-A8F8-1EF4E430402C}" type="presOf" srcId="{7E192CC9-4E44-4E35-9CE3-7A0384E92D97}" destId="{E2C92C26-1FDD-4002-8E82-1D7F1B0BD8EC}" srcOrd="0" destOrd="0" presId="urn:microsoft.com/office/officeart/2005/8/layout/vList2"/>
+    <dgm:cxn modelId="{0413A7ED-5D3A-4615-B71E-2F4568C899A1}" type="presParOf" srcId="{E2C92C26-1FDD-4002-8E82-1D7F1B0BD8EC}" destId="{63D3A705-3F9C-48EE-A510-F1182D549F79}" srcOrd="0" destOrd="0" presId="urn:microsoft.com/office/officeart/2005/8/layout/vList2"/>
+    <dgm:cxn modelId="{4AEB6CA5-4550-4902-A0F7-AD775D123E0B}" type="presOf" srcId="{BAD5141B-85B6-4963-A7CB-3D5B8639DFFB}" destId="{63D3A705-3F9C-48EE-A510-F1182D549F79}" srcOrd="0" destOrd="0" presId="urn:microsoft.com/office/officeart/2005/8/layout/vList2"/>
+    <dgm:cxn modelId="{DF48A711-5246-42F9-83EA-38C750851AD5}" type="presParOf" srcId="{E2C92C26-1FDD-4002-8E82-1D7F1B0BD8EC}" destId="{DC399304-C0FA-43DE-B176-0F5CF7FDC14D}" srcOrd="1" destOrd="0" presId="urn:microsoft.com/office/officeart/2005/8/layout/vList2"/>
+    <dgm:cxn modelId="{5DAE945F-9939-40F6-97B0-0B3CF3637F9F}" type="presParOf" srcId="{E2C92C26-1FDD-4002-8E82-1D7F1B0BD8EC}" destId="{C5B0484F-F5B7-414E-956F-D907BD07AD4A}" srcOrd="2" destOrd="0" presId="urn:microsoft.com/office/officeart/2005/8/layout/vList2"/>
+    <dgm:cxn modelId="{1F12C880-D4B9-4696-95B7-2DFB4AC7D87B}" type="presOf" srcId="{235CD2BA-8FD7-4357-8F77-AF973EC1A10C}" destId="{C5B0484F-F5B7-414E-956F-D907BD07AD4A}" srcOrd="0" destOrd="0" presId="urn:microsoft.com/office/officeart/2005/8/layout/vList2"/>
+    <dgm:cxn modelId="{99FC1F30-A62E-48A2-BAB2-B3F47C4A8CF2}" type="presParOf" srcId="{E2C92C26-1FDD-4002-8E82-1D7F1B0BD8EC}" destId="{3B033130-B86B-4016-94C1-98BF8E8DFA41}" srcOrd="3" destOrd="0" presId="urn:microsoft.com/office/officeart/2005/8/layout/vList2"/>
+    <dgm:cxn modelId="{86DAFD43-38F2-4686-A2E1-A503B4662C8A}" type="presParOf" srcId="{E2C92C26-1FDD-4002-8E82-1D7F1B0BD8EC}" destId="{7CB21A2D-6C6F-4832-92EE-F5D45592032E}" srcOrd="4" destOrd="0" presId="urn:microsoft.com/office/officeart/2005/8/layout/vList2"/>
+    <dgm:cxn modelId="{09EAB10D-5459-4CAB-ACE8-6A744E730A36}" type="presOf" srcId="{468584A0-DDB8-4AA3-ACB0-F00C2A13EC08}" destId="{7CB21A2D-6C6F-4832-92EE-F5D45592032E}" srcOrd="0" destOrd="0" presId="urn:microsoft.com/office/officeart/2005/8/layout/vList2"/>
+    <dgm:cxn modelId="{DDED2FC5-3E58-4E12-88C0-3D61C736942A}" type="presParOf" srcId="{E2C92C26-1FDD-4002-8E82-1D7F1B0BD8EC}" destId="{4D336597-D963-4C30-B2E4-C45D45087F89}" srcOrd="5" destOrd="0" presId="urn:microsoft.com/office/officeart/2005/8/layout/vList2"/>
+    <dgm:cxn modelId="{AC1F439B-A336-4313-8B9A-662EFD54A388}" type="presParOf" srcId="{E2C92C26-1FDD-4002-8E82-1D7F1B0BD8EC}" destId="{63888720-E4A3-48BC-B6A8-117E2370F338}" srcOrd="6" destOrd="0" presId="urn:microsoft.com/office/officeart/2005/8/layout/vList2"/>
+    <dgm:cxn modelId="{7CAF2241-1833-4AFF-9F8A-DA19136C0885}" type="presOf" srcId="{CAE8F54B-6D5D-4C1D-A8CE-7FE2D1C225B5}" destId="{63888720-E4A3-48BC-B6A8-117E2370F338}" srcOrd="0" destOrd="0" presId="urn:microsoft.com/office/officeart/2005/8/layout/vList2"/>
+    <dgm:cxn modelId="{D9D14508-25EC-415D-9806-5EBF0DA34169}" type="presParOf" srcId="{E2C92C26-1FDD-4002-8E82-1D7F1B0BD8EC}" destId="{4ACBFCB5-122A-4CD5-84E8-3706B4BA6490}" srcOrd="7" destOrd="0" presId="urn:microsoft.com/office/officeart/2005/8/layout/vList2"/>
+    <dgm:cxn modelId="{759637B5-C239-4E0B-A7C4-346B21599C1C}" type="presParOf" srcId="{E2C92C26-1FDD-4002-8E82-1D7F1B0BD8EC}" destId="{25AFF23C-40CF-4A0D-840E-DD2AE11D9436}" srcOrd="8" destOrd="0" presId="urn:microsoft.com/office/officeart/2005/8/layout/vList2"/>
+    <dgm:cxn modelId="{E1DCBB11-9B01-4633-9D66-F8465894907A}" type="presOf" srcId="{D39CD7FB-9BCC-4B01-832D-0759CA0131FC}" destId="{25AFF23C-40CF-4A0D-840E-DD2AE11D9436}" srcOrd="0" destOrd="0" presId="urn:microsoft.com/office/officeart/2005/8/layout/vList2"/>
   </dgm:cxnLst>
   <dgm:bg/>
   <dgm:whole/>
@@ -10959,7 +10972,7 @@
         </a:p>
       </dgm:t>
     </dgm:pt>
-    <dgm:pt modelId="{7BB73AF6-2900-4EE9-A6BF-93E111722694}" cxnId="{5C2FA9C7-CF06-4A14-A204-E3CFECBD7A50}" type="parTrans">
+    <dgm:pt modelId="{7BB73AF6-2900-4EE9-A6BF-93E111722694}" cxnId="{EBA4E795-3949-4E14-9B4F-0157A495637C}" type="parTrans">
       <dgm:prSet/>
       <dgm:spPr/>
       <dgm:t>
@@ -10970,7 +10983,7 @@
         </a:p>
       </dgm:t>
     </dgm:pt>
-    <dgm:pt modelId="{EC18D500-CDDF-479E-A1DA-F1FD3D93FB4F}" cxnId="{5C2FA9C7-CF06-4A14-A204-E3CFECBD7A50}" type="sibTrans">
+    <dgm:pt modelId="{EC18D500-CDDF-479E-A1DA-F1FD3D93FB4F}" cxnId="{EBA4E795-3949-4E14-9B4F-0157A495637C}" type="sibTrans">
       <dgm:prSet/>
       <dgm:spPr/>
       <dgm:t>
@@ -10997,7 +11010,7 @@
         </a:p>
       </dgm:t>
     </dgm:pt>
-    <dgm:pt modelId="{DDE7FD73-87EB-4FE1-87CA-856B90D4F012}" cxnId="{94A82DF0-95EB-41BE-9271-C74F6D53F3E8}" type="parTrans">
+    <dgm:pt modelId="{DDE7FD73-87EB-4FE1-87CA-856B90D4F012}" cxnId="{911D907C-2558-4D84-9A37-CACC152B6ADF}" type="parTrans">
       <dgm:prSet/>
       <dgm:spPr/>
       <dgm:t>
@@ -11008,7 +11021,7 @@
         </a:p>
       </dgm:t>
     </dgm:pt>
-    <dgm:pt modelId="{12A0E1FF-6E96-4AD6-85C0-28E6B9285FB5}" cxnId="{94A82DF0-95EB-41BE-9271-C74F6D53F3E8}" type="sibTrans">
+    <dgm:pt modelId="{12A0E1FF-6E96-4AD6-85C0-28E6B9285FB5}" cxnId="{911D907C-2558-4D84-9A37-CACC152B6ADF}" type="sibTrans">
       <dgm:prSet/>
       <dgm:spPr/>
       <dgm:t>
@@ -11020,30 +11033,43 @@
       </dgm:t>
     </dgm:pt>
     <dgm:pt modelId="{67172AB8-95EA-4352-8054-C9672A4EE031}">
-      <dgm:prSet/>
+      <dgm:prSet phldr="false" custT="false"/>
       <dgm:spPr/>
       <dgm:t>
-        <a:bodyPr/>
-        <a:lstStyle/>
+        <a:bodyPr vert="horz" wrap="square"/>
         <a:p>
-          <a:pPr rtl="0"/>
+          <a:pPr rtl="0">
+            <a:lnSpc>
+              <a:spcPct val="100000"/>
+            </a:lnSpc>
+            <a:spcBef>
+              <a:spcPct val="0"/>
+            </a:spcBef>
+            <a:spcAft>
+              <a:spcPct val="35000"/>
+            </a:spcAft>
+          </a:pPr>
           <a:r>
             <a:rPr lang="zh-CN" smtClean="0"/>
             <a:t>序列拆封</a:t>
           </a:r>
           <a:r>
-            <a:rPr lang="en-US" smtClean="0"/>
-            <a:t>:</a:t>
+            <a:rPr lang="zh-CN" altLang="en-US" smtClean="0"/>
+            <a:t>：</a:t>
           </a:r>
           <a:r>
             <a:rPr lang="zh-CN" smtClean="0"/>
             <a:t>元组封装的逆操作，用来将一个封装起来的序列自动拆分为若干个基本数据。</a:t>
           </a:r>
+          <a:r>
+            <a:rPr lang="zh-CN"/>
+            <a:t/>
+          </a:r>
           <a:endParaRPr lang="zh-CN"/>
         </a:p>
       </dgm:t>
     </dgm:pt>
-    <dgm:pt modelId="{27DE5AF0-28E7-491D-B7DC-98805104A252}" cxnId="{DFF37234-F4E3-4514-AB80-960973C6C360}" type="parTrans">
+    <dgm:pt modelId="{27DE5AF0-28E7-491D-B7DC-98805104A252}" cxnId="{B58A2E57-BE91-4902-B05F-E49D0FF24944}" type="parTrans">
       <dgm:prSet/>
       <dgm:spPr/>
       <dgm:t>
@@ -11054,7 +11080,7 @@
         </a:p>
       </dgm:t>
     </dgm:pt>
-    <dgm:pt modelId="{3C04E28F-1F64-434F-9AF6-96E5AB06B196}" cxnId="{DFF37234-F4E3-4514-AB80-960973C6C360}" type="sibTrans">
+    <dgm:pt modelId="{3C04E28F-1F64-434F-9AF6-96E5AB06B196}" cxnId="{B58A2E57-BE91-4902-B05F-E49D0FF24944}" type="sibTrans">
       <dgm:prSet/>
       <dgm:spPr/>
       <dgm:t>
@@ -11066,22 +11092,35 @@
       </dgm:t>
     </dgm:pt>
     <dgm:pt modelId="{FF643593-7E1C-4AE6-A936-D14F99BD6258}">
-      <dgm:prSet/>
+      <dgm:prSet phldr="false" custT="false"/>
       <dgm:spPr/>
       <dgm:t>
-        <a:bodyPr/>
-        <a:lstStyle/>
+        <a:bodyPr vert="horz" wrap="square"/>
         <a:p>
-          <a:pPr rtl="0"/>
+          <a:pPr rtl="0">
+            <a:lnSpc>
+              <a:spcPct val="100000"/>
+            </a:lnSpc>
+            <a:spcBef>
+              <a:spcPct val="0"/>
+            </a:spcBef>
+            <a:spcAft>
+              <a:spcPct val="20000"/>
+            </a:spcAft>
+          </a:pPr>
           <a:r>
             <a:rPr lang="en-US" smtClean="0"/>
-            <a:t>tuple1 = (1, 2, 3)</a:t>
+            <a:t>tuple1 = 1, 2, 3</a:t>
+          </a:r>
+          <a:r>
+            <a:rPr lang="zh-CN"/>
+            <a:t/>
           </a:r>
           <a:endParaRPr lang="zh-CN"/>
         </a:p>
       </dgm:t>
     </dgm:pt>
-    <dgm:pt modelId="{5AAD2195-1DE7-44B8-8875-36A6A0298225}" cxnId="{E13826B9-99E2-4BA6-BC20-385403604F56}" type="parTrans">
+    <dgm:pt modelId="{5AAD2195-1DE7-44B8-8875-36A6A0298225}" cxnId="{5F5C49B6-6E47-4559-AFDF-995FB6B3FED4}" type="parTrans">
       <dgm:prSet/>
       <dgm:spPr/>
       <dgm:t>
@@ -11092,7 +11131,7 @@
         </a:p>
       </dgm:t>
     </dgm:pt>
-    <dgm:pt modelId="{D7CFB42A-D244-4D55-883A-84586EE321E7}" cxnId="{E13826B9-99E2-4BA6-BC20-385403604F56}" type="sibTrans">
+    <dgm:pt modelId="{D7CFB42A-D244-4D55-883A-84586EE321E7}" cxnId="{5F5C49B6-6E47-4559-AFDF-995FB6B3FED4}" type="sibTrans">
       <dgm:prSet/>
       <dgm:spPr/>
       <dgm:t>
@@ -11103,23 +11142,73 @@
         </a:p>
       </dgm:t>
     </dgm:pt>
-    <dgm:pt modelId="{9714B6F8-8F20-4E43-91BF-87A5836698EA}">
-      <dgm:prSet/>
+    <dgm:pt modelId="{30B65A22-D06B-4953-811D-A74A0BF79432}">
+      <dgm:prSet phldr="false" custT="false"/>
       <dgm:spPr/>
       <dgm:t>
-        <a:bodyPr/>
-        <a:lstStyle/>
+        <a:bodyPr vert="horz" wrap="square"/>
         <a:p>
-          <a:pPr rtl="0"/>
+          <a:pPr rtl="0">
+            <a:lnSpc>
+              <a:spcPct val="100000"/>
+            </a:lnSpc>
+            <a:spcBef>
+              <a:spcPct val="0"/>
+            </a:spcBef>
+            <a:spcAft>
+              <a:spcPct val="20000"/>
+            </a:spcAft>
+          </a:pPr>
           <a:r>
             <a:rPr lang="en-US" smtClean="0"/>
             <a:t>x, y, z = tuple1</a:t>
+          </a:r>
+          <a:r>
+            <a:rPr lang="zh-CN"/>
+            <a:t/>
           </a:r>
           <a:endParaRPr lang="zh-CN"/>
         </a:p>
       </dgm:t>
     </dgm:pt>
-    <dgm:pt modelId="{BDE21D8B-A7FB-4725-948B-3C7F7317F5EC}" cxnId="{07ACD2DA-61A0-4152-82C3-77E05E842BA1}" type="parTrans">
+    <dgm:pt modelId="{6B13D2B7-B4E5-4614-B4A0-E01EAEB43E33}" cxnId="{64DC7346-16E7-46D2-99EE-0AED49A8ABC3}" type="parTrans">
+      <dgm:prSet/>
+      <dgm:spPr/>
+    </dgm:pt>
+    <dgm:pt modelId="{43C93414-9050-4A0F-A4DD-E4FEB6DBB004}" cxnId="{64DC7346-16E7-46D2-99EE-0AED49A8ABC3}" type="sibTrans">
+      <dgm:prSet/>
+      <dgm:spPr/>
+    </dgm:pt>
+    <dgm:pt modelId="{6AE52025-FEF0-4219-B9D6-3187D19FE677}">
+      <dgm:prSet phldr="false" custT="false"/>
+      <dgm:spPr/>
+      <dgm:t>
+        <a:bodyPr vert="horz" wrap="square"/>
+        <a:p>
+          <a:pPr rtl="0">
+            <a:lnSpc>
+              <a:spcPct val="100000"/>
+            </a:lnSpc>
+            <a:spcBef>
+              <a:spcPct val="0"/>
+            </a:spcBef>
+            <a:spcAft>
+              <a:spcPct val="35000"/>
+            </a:spcAft>
+          </a:pPr>
+          <a:r>
+            <a:rPr lang="zh-CN" smtClean="0"/>
+            <a:t>为多个值同时赋值的语法是将元组封装和序列拆封操作相结合了。 </a:t>
+          </a:r>
+          <a:r>
+            <a:rPr lang="zh-CN"/>
+            <a:t/>
+          </a:r>
+          <a:endParaRPr lang="zh-CN"/>
+        </a:p>
+      </dgm:t>
+    </dgm:pt>
+    <dgm:pt modelId="{3331A3AF-FCFE-4468-9D78-D038005D791E}" cxnId="{2242727E-22B7-460E-98CD-70BA0576EA07}" type="parTrans">
       <dgm:prSet/>
       <dgm:spPr/>
       <dgm:t>
@@ -11130,45 +11219,7 @@
         </a:p>
       </dgm:t>
     </dgm:pt>
-    <dgm:pt modelId="{9EAACB66-FE74-40ED-8A17-9AB37CD5E76B}" cxnId="{07ACD2DA-61A0-4152-82C3-77E05E842BA1}" type="sibTrans">
-      <dgm:prSet/>
-      <dgm:spPr/>
-      <dgm:t>
-        <a:bodyPr/>
-        <a:lstStyle/>
-        <a:p>
-          <a:endParaRPr lang="zh-CN" altLang="en-US"/>
-        </a:p>
-      </dgm:t>
-    </dgm:pt>
-    <dgm:pt modelId="{6AE52025-FEF0-4219-B9D6-3187D19FE677}">
-      <dgm:prSet/>
-      <dgm:spPr/>
-      <dgm:t>
-        <a:bodyPr/>
-        <a:lstStyle/>
-        <a:p>
-          <a:pPr rtl="0"/>
-          <a:r>
-            <a:rPr lang="zh-CN" smtClean="0"/>
-            <a:t>同时赋值的语法是将元组封装和序列拆封操作相结合了。 </a:t>
-          </a:r>
-          <a:endParaRPr lang="zh-CN"/>
-        </a:p>
-      </dgm:t>
-    </dgm:pt>
-    <dgm:pt modelId="{3331A3AF-FCFE-4468-9D78-D038005D791E}" cxnId="{2A6879A0-A76C-4510-8CA7-33BFBC505B15}" type="parTrans">
-      <dgm:prSet/>
-      <dgm:spPr/>
-      <dgm:t>
-        <a:bodyPr/>
-        <a:lstStyle/>
-        <a:p>
-          <a:endParaRPr lang="zh-CN" altLang="en-US"/>
-        </a:p>
-      </dgm:t>
-    </dgm:pt>
-    <dgm:pt modelId="{DD3B30B5-32F3-4EFF-9B5A-E4F716A16A99}" cxnId="{2A6879A0-A76C-4510-8CA7-33BFBC505B15}" type="sibTrans">
+    <dgm:pt modelId="{DD3B30B5-32F3-4EFF-9B5A-E4F716A16A99}" cxnId="{2242727E-22B7-460E-98CD-70BA0576EA07}" type="sibTrans">
       <dgm:prSet/>
       <dgm:spPr/>
       <dgm:t>
@@ -11275,24 +11326,24 @@
     </dgm:pt>
   </dgm:ptLst>
   <dgm:cxnLst>
-    <dgm:cxn modelId="{8BFBBB74-0931-44FB-9A55-F0396761913B}" type="presOf" srcId="{9714B6F8-8F20-4E43-91BF-87A5836698EA}" destId="{BBD2467E-C530-44C4-80CC-9305B68C8F83}" srcOrd="0" destOrd="1" presId="urn:microsoft.com/office/officeart/2005/8/layout/vList2"/>
-    <dgm:cxn modelId="{C13646BC-62BA-40D0-A9D9-DF5FD63EE3D7}" type="presOf" srcId="{C05623E8-DD5D-4A50-9AE3-51E78D5C5D47}" destId="{0F7C260E-9C68-42E0-8289-F097EC768F85}" srcOrd="0" destOrd="0" presId="urn:microsoft.com/office/officeart/2005/8/layout/vList2"/>
-    <dgm:cxn modelId="{E13826B9-99E2-4BA6-BC20-385403604F56}" srcId="{67172AB8-95EA-4352-8054-C9672A4EE031}" destId="{FF643593-7E1C-4AE6-A936-D14F99BD6258}" srcOrd="0" destOrd="0" parTransId="{5AAD2195-1DE7-44B8-8875-36A6A0298225}" sibTransId="{D7CFB42A-D244-4D55-883A-84586EE321E7}"/>
-    <dgm:cxn modelId="{2A6879A0-A76C-4510-8CA7-33BFBC505B15}" srcId="{74D2CDB4-2142-43C8-BE69-2ED85D1B4D1F}" destId="{6AE52025-FEF0-4219-B9D6-3187D19FE677}" srcOrd="2" destOrd="0" parTransId="{3331A3AF-FCFE-4468-9D78-D038005D791E}" sibTransId="{DD3B30B5-32F3-4EFF-9B5A-E4F716A16A99}"/>
-    <dgm:cxn modelId="{C91A4680-76B0-4A58-AF84-0CDD639170DD}" type="presOf" srcId="{FF643593-7E1C-4AE6-A936-D14F99BD6258}" destId="{BBD2467E-C530-44C4-80CC-9305B68C8F83}" srcOrd="0" destOrd="0" presId="urn:microsoft.com/office/officeart/2005/8/layout/vList2"/>
-    <dgm:cxn modelId="{53D9FF1F-FC8F-45D2-9E4F-FF3FEAA750A9}" type="presOf" srcId="{CE412173-7802-4419-BA45-362D0F76486A}" destId="{961BE7A3-DF1A-4EDB-900F-35E953DCDEFE}" srcOrd="0" destOrd="0" presId="urn:microsoft.com/office/officeart/2005/8/layout/vList2"/>
-    <dgm:cxn modelId="{DFF37234-F4E3-4514-AB80-960973C6C360}" srcId="{74D2CDB4-2142-43C8-BE69-2ED85D1B4D1F}" destId="{67172AB8-95EA-4352-8054-C9672A4EE031}" srcOrd="1" destOrd="0" parTransId="{27DE5AF0-28E7-491D-B7DC-98805104A252}" sibTransId="{3C04E28F-1F64-434F-9AF6-96E5AB06B196}"/>
-    <dgm:cxn modelId="{07ACD2DA-61A0-4152-82C3-77E05E842BA1}" srcId="{67172AB8-95EA-4352-8054-C9672A4EE031}" destId="{9714B6F8-8F20-4E43-91BF-87A5836698EA}" srcOrd="1" destOrd="0" parTransId="{BDE21D8B-A7FB-4725-948B-3C7F7317F5EC}" sibTransId="{9EAACB66-FE74-40ED-8A17-9AB37CD5E76B}"/>
-    <dgm:cxn modelId="{94A82DF0-95EB-41BE-9271-C74F6D53F3E8}" srcId="{C05623E8-DD5D-4A50-9AE3-51E78D5C5D47}" destId="{CE412173-7802-4419-BA45-362D0F76486A}" srcOrd="0" destOrd="0" parTransId="{DDE7FD73-87EB-4FE1-87CA-856B90D4F012}" sibTransId="{12A0E1FF-6E96-4AD6-85C0-28E6B9285FB5}"/>
-    <dgm:cxn modelId="{49D5B411-0BE1-4288-9C31-4568FF76AB60}" type="presOf" srcId="{6AE52025-FEF0-4219-B9D6-3187D19FE677}" destId="{BFDF7937-8A81-4A7F-B170-CDA423B15070}" srcOrd="0" destOrd="0" presId="urn:microsoft.com/office/officeart/2005/8/layout/vList2"/>
-    <dgm:cxn modelId="{5C2FA9C7-CF06-4A14-A204-E3CFECBD7A50}" srcId="{74D2CDB4-2142-43C8-BE69-2ED85D1B4D1F}" destId="{C05623E8-DD5D-4A50-9AE3-51E78D5C5D47}" srcOrd="0" destOrd="0" parTransId="{7BB73AF6-2900-4EE9-A6BF-93E111722694}" sibTransId="{EC18D500-CDDF-479E-A1DA-F1FD3D93FB4F}"/>
-    <dgm:cxn modelId="{E232D8AD-B3C0-4D21-A76D-821183055174}" type="presOf" srcId="{67172AB8-95EA-4352-8054-C9672A4EE031}" destId="{A979C8BF-2F52-41E6-95EE-67EC0B70BB71}" srcOrd="0" destOrd="0" presId="urn:microsoft.com/office/officeart/2005/8/layout/vList2"/>
-    <dgm:cxn modelId="{8074CE3C-9F98-4327-A172-7052808AD083}" type="presOf" srcId="{74D2CDB4-2142-43C8-BE69-2ED85D1B4D1F}" destId="{D46C4534-D531-406D-B044-3D23C787484C}" srcOrd="0" destOrd="0" presId="urn:microsoft.com/office/officeart/2005/8/layout/vList2"/>
-    <dgm:cxn modelId="{E3D6D9BE-7655-4EB4-815B-2C5881DA3F9D}" type="presParOf" srcId="{D46C4534-D531-406D-B044-3D23C787484C}" destId="{0F7C260E-9C68-42E0-8289-F097EC768F85}" srcOrd="0" destOrd="0" presId="urn:microsoft.com/office/officeart/2005/8/layout/vList2"/>
-    <dgm:cxn modelId="{9E38F68D-CBD7-415F-8A48-9A14EEA6B2FE}" type="presParOf" srcId="{D46C4534-D531-406D-B044-3D23C787484C}" destId="{961BE7A3-DF1A-4EDB-900F-35E953DCDEFE}" srcOrd="1" destOrd="0" presId="urn:microsoft.com/office/officeart/2005/8/layout/vList2"/>
-    <dgm:cxn modelId="{D2F9415D-D53E-4694-B5DD-70421FF7FD0E}" type="presParOf" srcId="{D46C4534-D531-406D-B044-3D23C787484C}" destId="{A979C8BF-2F52-41E6-95EE-67EC0B70BB71}" srcOrd="2" destOrd="0" presId="urn:microsoft.com/office/officeart/2005/8/layout/vList2"/>
-    <dgm:cxn modelId="{3F46F419-DC13-4B0C-ADAD-4FA60D166D1F}" type="presParOf" srcId="{D46C4534-D531-406D-B044-3D23C787484C}" destId="{BBD2467E-C530-44C4-80CC-9305B68C8F83}" srcOrd="3" destOrd="0" presId="urn:microsoft.com/office/officeart/2005/8/layout/vList2"/>
-    <dgm:cxn modelId="{A4E1821F-877B-4780-BBA1-AB8A55F4ED41}" type="presParOf" srcId="{D46C4534-D531-406D-B044-3D23C787484C}" destId="{BFDF7937-8A81-4A7F-B170-CDA423B15070}" srcOrd="4" destOrd="0" presId="urn:microsoft.com/office/officeart/2005/8/layout/vList2"/>
+    <dgm:cxn modelId="{EBA4E795-3949-4E14-9B4F-0157A495637C}" srcId="{74D2CDB4-2142-43C8-BE69-2ED85D1B4D1F}" destId="{C05623E8-DD5D-4A50-9AE3-51E78D5C5D47}" srcOrd="0" destOrd="0" parTransId="{7BB73AF6-2900-4EE9-A6BF-93E111722694}" sibTransId="{EC18D500-CDDF-479E-A1DA-F1FD3D93FB4F}"/>
+    <dgm:cxn modelId="{911D907C-2558-4D84-9A37-CACC152B6ADF}" srcId="{C05623E8-DD5D-4A50-9AE3-51E78D5C5D47}" destId="{CE412173-7802-4419-BA45-362D0F76486A}" srcOrd="0" destOrd="0" parTransId="{DDE7FD73-87EB-4FE1-87CA-856B90D4F012}" sibTransId="{12A0E1FF-6E96-4AD6-85C0-28E6B9285FB5}"/>
+    <dgm:cxn modelId="{B58A2E57-BE91-4902-B05F-E49D0FF24944}" srcId="{74D2CDB4-2142-43C8-BE69-2ED85D1B4D1F}" destId="{67172AB8-95EA-4352-8054-C9672A4EE031}" srcOrd="1" destOrd="0" parTransId="{27DE5AF0-28E7-491D-B7DC-98805104A252}" sibTransId="{3C04E28F-1F64-434F-9AF6-96E5AB06B196}"/>
+    <dgm:cxn modelId="{5F5C49B6-6E47-4559-AFDF-995FB6B3FED4}" srcId="{67172AB8-95EA-4352-8054-C9672A4EE031}" destId="{FF643593-7E1C-4AE6-A936-D14F99BD6258}" srcOrd="0" destOrd="1" parTransId="{5AAD2195-1DE7-44B8-8875-36A6A0298225}" sibTransId="{D7CFB42A-D244-4D55-883A-84586EE321E7}"/>
+    <dgm:cxn modelId="{64DC7346-16E7-46D2-99EE-0AED49A8ABC3}" srcId="{67172AB8-95EA-4352-8054-C9672A4EE031}" destId="{30B65A22-D06B-4953-811D-A74A0BF79432}" srcOrd="1" destOrd="1" parTransId="{6B13D2B7-B4E5-4614-B4A0-E01EAEB43E33}" sibTransId="{43C93414-9050-4A0F-A4DD-E4FEB6DBB004}"/>
+    <dgm:cxn modelId="{2242727E-22B7-460E-98CD-70BA0576EA07}" srcId="{74D2CDB4-2142-43C8-BE69-2ED85D1B4D1F}" destId="{6AE52025-FEF0-4219-B9D6-3187D19FE677}" srcOrd="2" destOrd="0" parTransId="{3331A3AF-FCFE-4468-9D78-D038005D791E}" sibTransId="{DD3B30B5-32F3-4EFF-9B5A-E4F716A16A99}"/>
+    <dgm:cxn modelId="{C80A25C0-DDF4-4477-9A7C-31D366ACB450}" type="presOf" srcId="{74D2CDB4-2142-43C8-BE69-2ED85D1B4D1F}" destId="{D46C4534-D531-406D-B044-3D23C787484C}" srcOrd="0" destOrd="0" presId="urn:microsoft.com/office/officeart/2005/8/layout/vList2"/>
+    <dgm:cxn modelId="{6B7E9811-8492-444A-ACFF-3E909E8871A2}" type="presParOf" srcId="{D46C4534-D531-406D-B044-3D23C787484C}" destId="{0F7C260E-9C68-42E0-8289-F097EC768F85}" srcOrd="0" destOrd="0" presId="urn:microsoft.com/office/officeart/2005/8/layout/vList2"/>
+    <dgm:cxn modelId="{9125FEBC-E187-4FA3-87A9-48D6CBA0CDBB}" type="presOf" srcId="{C05623E8-DD5D-4A50-9AE3-51E78D5C5D47}" destId="{0F7C260E-9C68-42E0-8289-F097EC768F85}" srcOrd="0" destOrd="0" presId="urn:microsoft.com/office/officeart/2005/8/layout/vList2"/>
+    <dgm:cxn modelId="{A8181CDE-148C-4BD3-B315-EB22E2324F0A}" type="presParOf" srcId="{D46C4534-D531-406D-B044-3D23C787484C}" destId="{961BE7A3-DF1A-4EDB-900F-35E953DCDEFE}" srcOrd="1" destOrd="0" presId="urn:microsoft.com/office/officeart/2005/8/layout/vList2"/>
+    <dgm:cxn modelId="{F629D21F-623D-4D21-9C84-C1CECC8BB758}" type="presOf" srcId="{CE412173-7802-4419-BA45-362D0F76486A}" destId="{961BE7A3-DF1A-4EDB-900F-35E953DCDEFE}" srcOrd="0" destOrd="0" presId="urn:microsoft.com/office/officeart/2005/8/layout/vList2"/>
+    <dgm:cxn modelId="{82554261-F950-4581-91DB-B3DA7387D98A}" type="presParOf" srcId="{D46C4534-D531-406D-B044-3D23C787484C}" destId="{A979C8BF-2F52-41E6-95EE-67EC0B70BB71}" srcOrd="2" destOrd="0" presId="urn:microsoft.com/office/officeart/2005/8/layout/vList2"/>
+    <dgm:cxn modelId="{291E8928-BAB1-48D6-8EDC-B342DD26C981}" type="presOf" srcId="{67172AB8-95EA-4352-8054-C9672A4EE031}" destId="{A979C8BF-2F52-41E6-95EE-67EC0B70BB71}" srcOrd="0" destOrd="0" presId="urn:microsoft.com/office/officeart/2005/8/layout/vList2"/>
+    <dgm:cxn modelId="{EEF1D539-2820-4AF2-AAAD-A0DA3AD23892}" type="presParOf" srcId="{D46C4534-D531-406D-B044-3D23C787484C}" destId="{BBD2467E-C530-44C4-80CC-9305B68C8F83}" srcOrd="3" destOrd="0" presId="urn:microsoft.com/office/officeart/2005/8/layout/vList2"/>
+    <dgm:cxn modelId="{F43351AF-EB7C-44CE-8F2E-A0C8473E126C}" type="presOf" srcId="{FF643593-7E1C-4AE6-A936-D14F99BD6258}" destId="{BBD2467E-C530-44C4-80CC-9305B68C8F83}" srcOrd="0" destOrd="0" presId="urn:microsoft.com/office/officeart/2005/8/layout/vList2"/>
+    <dgm:cxn modelId="{533FEB84-2978-4C4E-91BE-735C021EF5B8}" type="presOf" srcId="{30B65A22-D06B-4953-811D-A74A0BF79432}" destId="{BBD2467E-C530-44C4-80CC-9305B68C8F83}" srcOrd="0" destOrd="1" presId="urn:microsoft.com/office/officeart/2005/8/layout/vList2"/>
+    <dgm:cxn modelId="{825ADA26-09DB-47E0-BBCF-CB8F8E4B2521}" type="presParOf" srcId="{D46C4534-D531-406D-B044-3D23C787484C}" destId="{BFDF7937-8A81-4A7F-B170-CDA423B15070}" srcOrd="4" destOrd="0" presId="urn:microsoft.com/office/officeart/2005/8/layout/vList2"/>
+    <dgm:cxn modelId="{A43B04C7-85AC-421F-A0B6-4600957E4981}" type="presOf" srcId="{6AE52025-FEF0-4219-B9D6-3187D19FE677}" destId="{BFDF7937-8A81-4A7F-B170-CDA423B15070}" srcOrd="0" destOrd="0" presId="urn:microsoft.com/office/officeart/2005/8/layout/vList2"/>
   </dgm:cxnLst>
   <dgm:bg/>
   <dgm:whole/>
@@ -19130,7 +19181,9 @@
   <dgm:styleData>
     <dgm:dataModel>
       <dgm:ptLst>
-        <dgm:pt modelId="0" type="doc"/>
+        <dgm:pt modelId="0" type="doc">
+          <dgm:prSet qsTypeId="urn:microsoft.com/office/officeart/2005/8/quickstyle/simple5"/>
+        </dgm:pt>
         <dgm:pt modelId="1"/>
         <dgm:pt modelId="2"/>
       </dgm:ptLst>
@@ -19297,7 +19350,9 @@
   <dgm:styleData>
     <dgm:dataModel>
       <dgm:ptLst>
-        <dgm:pt modelId="0" type="doc"/>
+        <dgm:pt modelId="0" type="doc">
+          <dgm:prSet qsTypeId="urn:microsoft.com/office/officeart/2005/8/quickstyle/simple5"/>
+        </dgm:pt>
         <dgm:pt modelId="1"/>
         <dgm:pt modelId="2"/>
       </dgm:ptLst>

--- a/files/slides/lecture_2.pptx
+++ b/files/slides/lecture_2.pptx
@@ -19519,7 +19519,9 @@
   <dgm:styleData>
     <dgm:dataModel>
       <dgm:ptLst>
-        <dgm:pt modelId="0" type="doc"/>
+        <dgm:pt modelId="0" type="doc">
+          <dgm:prSet qsTypeId="urn:microsoft.com/office/officeart/2005/8/quickstyle/simple5"/>
+        </dgm:pt>
         <dgm:pt modelId="1"/>
         <dgm:pt modelId="2"/>
       </dgm:ptLst>

--- a/files/slides/lecture_2.pptx
+++ b/files/slides/lecture_2.pptx
@@ -10562,7 +10562,7 @@
         </a:p>
       </dgm:t>
     </dgm:pt>
-    <dgm:pt modelId="{60B4998A-4E41-4DBF-88EC-5A08C42E69E9}" cxnId="{B3D03C0F-EA2C-46F9-B7BF-BB33F2B0FE26}" type="parTrans">
+    <dgm:pt modelId="{60B4998A-4E41-4DBF-88EC-5A08C42E69E9}" cxnId="{EDBCF170-7A70-474E-894F-F0E28AC62E9D}" type="parTrans">
       <dgm:prSet/>
       <dgm:spPr/>
       <dgm:t>
@@ -10573,7 +10573,7 @@
         </a:p>
       </dgm:t>
     </dgm:pt>
-    <dgm:pt modelId="{2D3137F2-663F-4798-823B-729153C0EF60}" cxnId="{B3D03C0F-EA2C-46F9-B7BF-BB33F2B0FE26}" type="sibTrans">
+    <dgm:pt modelId="{2D3137F2-663F-4798-823B-729153C0EF60}" cxnId="{EDBCF170-7A70-474E-894F-F0E28AC62E9D}" type="sibTrans">
       <dgm:prSet/>
       <dgm:spPr/>
       <dgm:t>
@@ -10600,7 +10600,7 @@
         </a:p>
       </dgm:t>
     </dgm:pt>
-    <dgm:pt modelId="{7EC772AE-BD3B-4EAE-AA41-E9A2D31ADC8E}" cxnId="{714D42BE-E9D1-4815-8F30-6D56BF44FA4C}" type="parTrans">
+    <dgm:pt modelId="{7EC772AE-BD3B-4EAE-AA41-E9A2D31ADC8E}" cxnId="{A009CE23-68D2-43E9-8F24-7B571A511DC6}" type="parTrans">
       <dgm:prSet/>
       <dgm:spPr/>
       <dgm:t>
@@ -10611,7 +10611,7 @@
         </a:p>
       </dgm:t>
     </dgm:pt>
-    <dgm:pt modelId="{14B8EF22-AC76-4C98-8B7C-E654BDDB26AB}" cxnId="{714D42BE-E9D1-4815-8F30-6D56BF44FA4C}" type="sibTrans">
+    <dgm:pt modelId="{14B8EF22-AC76-4C98-8B7C-E654BDDB26AB}" cxnId="{A009CE23-68D2-43E9-8F24-7B571A511DC6}" type="sibTrans">
       <dgm:prSet/>
       <dgm:spPr/>
       <dgm:t>
@@ -10638,7 +10638,7 @@
         </a:p>
       </dgm:t>
     </dgm:pt>
-    <dgm:pt modelId="{B9B3C3BB-4A2E-4011-BE83-AED0DBF55EEA}" cxnId="{2153EDD2-C792-4430-BC0D-76E547D0EB13}" type="parTrans">
+    <dgm:pt modelId="{B9B3C3BB-4A2E-4011-BE83-AED0DBF55EEA}" cxnId="{660B4881-9CF1-43F0-8F8A-03D5946D3661}" type="parTrans">
       <dgm:prSet/>
       <dgm:spPr/>
       <dgm:t>
@@ -10649,7 +10649,7 @@
         </a:p>
       </dgm:t>
     </dgm:pt>
-    <dgm:pt modelId="{900D7139-1B8B-4E23-91FE-8E72FB9B8A90}" cxnId="{2153EDD2-C792-4430-BC0D-76E547D0EB13}" type="sibTrans">
+    <dgm:pt modelId="{900D7139-1B8B-4E23-91FE-8E72FB9B8A90}" cxnId="{660B4881-9CF1-43F0-8F8A-03D5946D3661}" type="sibTrans">
       <dgm:prSet/>
       <dgm:spPr/>
       <dgm:t>
@@ -10703,7 +10703,7 @@
           </a:r>
           <a:r>
             <a:rPr lang="zh-CN" smtClean="0"/>
-            <a:t>函数创建一个列表，使用</a:t>
+            <a:t>函数创建一个元组，使用</a:t>
           </a:r>
           <a:r>
             <a:rPr lang="en-US" smtClean="0"/>
@@ -10721,7 +10721,7 @@
         </a:p>
       </dgm:t>
     </dgm:pt>
-    <dgm:pt modelId="{E84359B5-AD6B-4CE5-A7FC-9A8B688B1E0F}" cxnId="{2EB1E057-1591-4961-9FBD-9133E45D6A61}" type="parTrans">
+    <dgm:pt modelId="{E84359B5-AD6B-4CE5-A7FC-9A8B688B1E0F}" cxnId="{AAE6810E-EA46-41D8-83F2-8720B488E2AF}" type="parTrans">
       <dgm:prSet/>
       <dgm:spPr/>
       <dgm:t>
@@ -10732,7 +10732,7 @@
         </a:p>
       </dgm:t>
     </dgm:pt>
-    <dgm:pt modelId="{CFF9CE37-F08D-44F2-B1D0-0834D97FA4D7}" cxnId="{2EB1E057-1591-4961-9FBD-9133E45D6A61}" type="sibTrans">
+    <dgm:pt modelId="{CFF9CE37-F08D-44F2-B1D0-0834D97FA4D7}" cxnId="{AAE6810E-EA46-41D8-83F2-8720B488E2AF}" type="sibTrans">
       <dgm:prSet/>
       <dgm:spPr/>
       <dgm:t>
@@ -10775,7 +10775,7 @@
         </a:p>
       </dgm:t>
     </dgm:pt>
-    <dgm:pt modelId="{FDB9D986-D07D-441C-922F-899316B8C49A}" cxnId="{D609F5B3-B626-450E-97C4-A386D3462FB2}" type="parTrans">
+    <dgm:pt modelId="{FDB9D986-D07D-441C-922F-899316B8C49A}" cxnId="{8D644E8C-C44D-48AA-898A-52374F5245EC}" type="parTrans">
       <dgm:prSet/>
       <dgm:spPr/>
       <dgm:t>
@@ -10786,7 +10786,7 @@
         </a:p>
       </dgm:t>
     </dgm:pt>
-    <dgm:pt modelId="{DFE0279F-EEE5-4182-8E07-408ED7AF327C}" cxnId="{D609F5B3-B626-450E-97C4-A386D3462FB2}" type="sibTrans">
+    <dgm:pt modelId="{DFE0279F-EEE5-4182-8E07-408ED7AF327C}" cxnId="{8D644E8C-C44D-48AA-898A-52374F5245EC}" type="sibTrans">
       <dgm:prSet/>
       <dgm:spPr/>
       <dgm:t>
@@ -10911,26 +10911,26 @@
     </dgm:pt>
   </dgm:ptLst>
   <dgm:cxnLst>
-    <dgm:cxn modelId="{B3D03C0F-EA2C-46F9-B7BF-BB33F2B0FE26}" srcId="{7E192CC9-4E44-4E35-9CE3-7A0384E92D97}" destId="{BAD5141B-85B6-4963-A7CB-3D5B8639DFFB}" srcOrd="0" destOrd="0" parTransId="{60B4998A-4E41-4DBF-88EC-5A08C42E69E9}" sibTransId="{2D3137F2-663F-4798-823B-729153C0EF60}"/>
-    <dgm:cxn modelId="{714D42BE-E9D1-4815-8F30-6D56BF44FA4C}" srcId="{7E192CC9-4E44-4E35-9CE3-7A0384E92D97}" destId="{235CD2BA-8FD7-4357-8F77-AF973EC1A10C}" srcOrd="1" destOrd="0" parTransId="{7EC772AE-BD3B-4EAE-AA41-E9A2D31ADC8E}" sibTransId="{14B8EF22-AC76-4C98-8B7C-E654BDDB26AB}"/>
-    <dgm:cxn modelId="{2153EDD2-C792-4430-BC0D-76E547D0EB13}" srcId="{7E192CC9-4E44-4E35-9CE3-7A0384E92D97}" destId="{468584A0-DDB8-4AA3-ACB0-F00C2A13EC08}" srcOrd="2" destOrd="0" parTransId="{B9B3C3BB-4A2E-4011-BE83-AED0DBF55EEA}" sibTransId="{900D7139-1B8B-4E23-91FE-8E72FB9B8A90}"/>
-    <dgm:cxn modelId="{2EB1E057-1591-4961-9FBD-9133E45D6A61}" srcId="{7E192CC9-4E44-4E35-9CE3-7A0384E92D97}" destId="{CAE8F54B-6D5D-4C1D-A8CE-7FE2D1C225B5}" srcOrd="3" destOrd="0" parTransId="{E84359B5-AD6B-4CE5-A7FC-9A8B688B1E0F}" sibTransId="{CFF9CE37-F08D-44F2-B1D0-0834D97FA4D7}"/>
-    <dgm:cxn modelId="{D609F5B3-B626-450E-97C4-A386D3462FB2}" srcId="{7E192CC9-4E44-4E35-9CE3-7A0384E92D97}" destId="{D39CD7FB-9BCC-4B01-832D-0759CA0131FC}" srcOrd="4" destOrd="0" parTransId="{FDB9D986-D07D-441C-922F-899316B8C49A}" sibTransId="{DFE0279F-EEE5-4182-8E07-408ED7AF327C}"/>
-    <dgm:cxn modelId="{3B0AB3DD-C87D-42B7-A8F8-1EF4E430402C}" type="presOf" srcId="{7E192CC9-4E44-4E35-9CE3-7A0384E92D97}" destId="{E2C92C26-1FDD-4002-8E82-1D7F1B0BD8EC}" srcOrd="0" destOrd="0" presId="urn:microsoft.com/office/officeart/2005/8/layout/vList2"/>
-    <dgm:cxn modelId="{0413A7ED-5D3A-4615-B71E-2F4568C899A1}" type="presParOf" srcId="{E2C92C26-1FDD-4002-8E82-1D7F1B0BD8EC}" destId="{63D3A705-3F9C-48EE-A510-F1182D549F79}" srcOrd="0" destOrd="0" presId="urn:microsoft.com/office/officeart/2005/8/layout/vList2"/>
-    <dgm:cxn modelId="{4AEB6CA5-4550-4902-A0F7-AD775D123E0B}" type="presOf" srcId="{BAD5141B-85B6-4963-A7CB-3D5B8639DFFB}" destId="{63D3A705-3F9C-48EE-A510-F1182D549F79}" srcOrd="0" destOrd="0" presId="urn:microsoft.com/office/officeart/2005/8/layout/vList2"/>
-    <dgm:cxn modelId="{DF48A711-5246-42F9-83EA-38C750851AD5}" type="presParOf" srcId="{E2C92C26-1FDD-4002-8E82-1D7F1B0BD8EC}" destId="{DC399304-C0FA-43DE-B176-0F5CF7FDC14D}" srcOrd="1" destOrd="0" presId="urn:microsoft.com/office/officeart/2005/8/layout/vList2"/>
-    <dgm:cxn modelId="{5DAE945F-9939-40F6-97B0-0B3CF3637F9F}" type="presParOf" srcId="{E2C92C26-1FDD-4002-8E82-1D7F1B0BD8EC}" destId="{C5B0484F-F5B7-414E-956F-D907BD07AD4A}" srcOrd="2" destOrd="0" presId="urn:microsoft.com/office/officeart/2005/8/layout/vList2"/>
-    <dgm:cxn modelId="{1F12C880-D4B9-4696-95B7-2DFB4AC7D87B}" type="presOf" srcId="{235CD2BA-8FD7-4357-8F77-AF973EC1A10C}" destId="{C5B0484F-F5B7-414E-956F-D907BD07AD4A}" srcOrd="0" destOrd="0" presId="urn:microsoft.com/office/officeart/2005/8/layout/vList2"/>
-    <dgm:cxn modelId="{99FC1F30-A62E-48A2-BAB2-B3F47C4A8CF2}" type="presParOf" srcId="{E2C92C26-1FDD-4002-8E82-1D7F1B0BD8EC}" destId="{3B033130-B86B-4016-94C1-98BF8E8DFA41}" srcOrd="3" destOrd="0" presId="urn:microsoft.com/office/officeart/2005/8/layout/vList2"/>
-    <dgm:cxn modelId="{86DAFD43-38F2-4686-A2E1-A503B4662C8A}" type="presParOf" srcId="{E2C92C26-1FDD-4002-8E82-1D7F1B0BD8EC}" destId="{7CB21A2D-6C6F-4832-92EE-F5D45592032E}" srcOrd="4" destOrd="0" presId="urn:microsoft.com/office/officeart/2005/8/layout/vList2"/>
-    <dgm:cxn modelId="{09EAB10D-5459-4CAB-ACE8-6A744E730A36}" type="presOf" srcId="{468584A0-DDB8-4AA3-ACB0-F00C2A13EC08}" destId="{7CB21A2D-6C6F-4832-92EE-F5D45592032E}" srcOrd="0" destOrd="0" presId="urn:microsoft.com/office/officeart/2005/8/layout/vList2"/>
-    <dgm:cxn modelId="{DDED2FC5-3E58-4E12-88C0-3D61C736942A}" type="presParOf" srcId="{E2C92C26-1FDD-4002-8E82-1D7F1B0BD8EC}" destId="{4D336597-D963-4C30-B2E4-C45D45087F89}" srcOrd="5" destOrd="0" presId="urn:microsoft.com/office/officeart/2005/8/layout/vList2"/>
-    <dgm:cxn modelId="{AC1F439B-A336-4313-8B9A-662EFD54A388}" type="presParOf" srcId="{E2C92C26-1FDD-4002-8E82-1D7F1B0BD8EC}" destId="{63888720-E4A3-48BC-B6A8-117E2370F338}" srcOrd="6" destOrd="0" presId="urn:microsoft.com/office/officeart/2005/8/layout/vList2"/>
-    <dgm:cxn modelId="{7CAF2241-1833-4AFF-9F8A-DA19136C0885}" type="presOf" srcId="{CAE8F54B-6D5D-4C1D-A8CE-7FE2D1C225B5}" destId="{63888720-E4A3-48BC-B6A8-117E2370F338}" srcOrd="0" destOrd="0" presId="urn:microsoft.com/office/officeart/2005/8/layout/vList2"/>
-    <dgm:cxn modelId="{D9D14508-25EC-415D-9806-5EBF0DA34169}" type="presParOf" srcId="{E2C92C26-1FDD-4002-8E82-1D7F1B0BD8EC}" destId="{4ACBFCB5-122A-4CD5-84E8-3706B4BA6490}" srcOrd="7" destOrd="0" presId="urn:microsoft.com/office/officeart/2005/8/layout/vList2"/>
-    <dgm:cxn modelId="{759637B5-C239-4E0B-A7C4-346B21599C1C}" type="presParOf" srcId="{E2C92C26-1FDD-4002-8E82-1D7F1B0BD8EC}" destId="{25AFF23C-40CF-4A0D-840E-DD2AE11D9436}" srcOrd="8" destOrd="0" presId="urn:microsoft.com/office/officeart/2005/8/layout/vList2"/>
-    <dgm:cxn modelId="{E1DCBB11-9B01-4633-9D66-F8465894907A}" type="presOf" srcId="{D39CD7FB-9BCC-4B01-832D-0759CA0131FC}" destId="{25AFF23C-40CF-4A0D-840E-DD2AE11D9436}" srcOrd="0" destOrd="0" presId="urn:microsoft.com/office/officeart/2005/8/layout/vList2"/>
+    <dgm:cxn modelId="{EDBCF170-7A70-474E-894F-F0E28AC62E9D}" srcId="{7E192CC9-4E44-4E35-9CE3-7A0384E92D97}" destId="{BAD5141B-85B6-4963-A7CB-3D5B8639DFFB}" srcOrd="0" destOrd="0" parTransId="{60B4998A-4E41-4DBF-88EC-5A08C42E69E9}" sibTransId="{2D3137F2-663F-4798-823B-729153C0EF60}"/>
+    <dgm:cxn modelId="{A009CE23-68D2-43E9-8F24-7B571A511DC6}" srcId="{7E192CC9-4E44-4E35-9CE3-7A0384E92D97}" destId="{235CD2BA-8FD7-4357-8F77-AF973EC1A10C}" srcOrd="1" destOrd="0" parTransId="{7EC772AE-BD3B-4EAE-AA41-E9A2D31ADC8E}" sibTransId="{14B8EF22-AC76-4C98-8B7C-E654BDDB26AB}"/>
+    <dgm:cxn modelId="{660B4881-9CF1-43F0-8F8A-03D5946D3661}" srcId="{7E192CC9-4E44-4E35-9CE3-7A0384E92D97}" destId="{468584A0-DDB8-4AA3-ACB0-F00C2A13EC08}" srcOrd="2" destOrd="0" parTransId="{B9B3C3BB-4A2E-4011-BE83-AED0DBF55EEA}" sibTransId="{900D7139-1B8B-4E23-91FE-8E72FB9B8A90}"/>
+    <dgm:cxn modelId="{AAE6810E-EA46-41D8-83F2-8720B488E2AF}" srcId="{7E192CC9-4E44-4E35-9CE3-7A0384E92D97}" destId="{CAE8F54B-6D5D-4C1D-A8CE-7FE2D1C225B5}" srcOrd="3" destOrd="0" parTransId="{E84359B5-AD6B-4CE5-A7FC-9A8B688B1E0F}" sibTransId="{CFF9CE37-F08D-44F2-B1D0-0834D97FA4D7}"/>
+    <dgm:cxn modelId="{8D644E8C-C44D-48AA-898A-52374F5245EC}" srcId="{7E192CC9-4E44-4E35-9CE3-7A0384E92D97}" destId="{D39CD7FB-9BCC-4B01-832D-0759CA0131FC}" srcOrd="4" destOrd="0" parTransId="{FDB9D986-D07D-441C-922F-899316B8C49A}" sibTransId="{DFE0279F-EEE5-4182-8E07-408ED7AF327C}"/>
+    <dgm:cxn modelId="{A2168A9B-0744-46F8-A32F-1641325F4483}" type="presOf" srcId="{7E192CC9-4E44-4E35-9CE3-7A0384E92D97}" destId="{E2C92C26-1FDD-4002-8E82-1D7F1B0BD8EC}" srcOrd="0" destOrd="0" presId="urn:microsoft.com/office/officeart/2005/8/layout/vList2"/>
+    <dgm:cxn modelId="{455F9061-977B-4299-A118-31EA5F152AFB}" type="presParOf" srcId="{E2C92C26-1FDD-4002-8E82-1D7F1B0BD8EC}" destId="{63D3A705-3F9C-48EE-A510-F1182D549F79}" srcOrd="0" destOrd="0" presId="urn:microsoft.com/office/officeart/2005/8/layout/vList2"/>
+    <dgm:cxn modelId="{C85AC2CC-9DE8-4E9C-B413-B197EB1BF63F}" type="presOf" srcId="{BAD5141B-85B6-4963-A7CB-3D5B8639DFFB}" destId="{63D3A705-3F9C-48EE-A510-F1182D549F79}" srcOrd="0" destOrd="0" presId="urn:microsoft.com/office/officeart/2005/8/layout/vList2"/>
+    <dgm:cxn modelId="{35BEBFF6-5BED-4A06-8564-FD6D99A7A107}" type="presParOf" srcId="{E2C92C26-1FDD-4002-8E82-1D7F1B0BD8EC}" destId="{DC399304-C0FA-43DE-B176-0F5CF7FDC14D}" srcOrd="1" destOrd="0" presId="urn:microsoft.com/office/officeart/2005/8/layout/vList2"/>
+    <dgm:cxn modelId="{A3F53727-946A-4658-978B-92B4A39AEA74}" type="presParOf" srcId="{E2C92C26-1FDD-4002-8E82-1D7F1B0BD8EC}" destId="{C5B0484F-F5B7-414E-956F-D907BD07AD4A}" srcOrd="2" destOrd="0" presId="urn:microsoft.com/office/officeart/2005/8/layout/vList2"/>
+    <dgm:cxn modelId="{6C6DF715-F758-42BD-AE4D-6D68EC3FE2F2}" type="presOf" srcId="{235CD2BA-8FD7-4357-8F77-AF973EC1A10C}" destId="{C5B0484F-F5B7-414E-956F-D907BD07AD4A}" srcOrd="0" destOrd="0" presId="urn:microsoft.com/office/officeart/2005/8/layout/vList2"/>
+    <dgm:cxn modelId="{C99407E9-4ED4-4B89-A81E-617B0DF0679D}" type="presParOf" srcId="{E2C92C26-1FDD-4002-8E82-1D7F1B0BD8EC}" destId="{3B033130-B86B-4016-94C1-98BF8E8DFA41}" srcOrd="3" destOrd="0" presId="urn:microsoft.com/office/officeart/2005/8/layout/vList2"/>
+    <dgm:cxn modelId="{95C06E9E-6595-4305-AF0E-A3D17855CCC1}" type="presParOf" srcId="{E2C92C26-1FDD-4002-8E82-1D7F1B0BD8EC}" destId="{7CB21A2D-6C6F-4832-92EE-F5D45592032E}" srcOrd="4" destOrd="0" presId="urn:microsoft.com/office/officeart/2005/8/layout/vList2"/>
+    <dgm:cxn modelId="{C60C7CC4-7434-4E15-9E4E-F43ACE3A78F9}" type="presOf" srcId="{468584A0-DDB8-4AA3-ACB0-F00C2A13EC08}" destId="{7CB21A2D-6C6F-4832-92EE-F5D45592032E}" srcOrd="0" destOrd="0" presId="urn:microsoft.com/office/officeart/2005/8/layout/vList2"/>
+    <dgm:cxn modelId="{F76D80D5-89EE-420C-8C5E-3E61255377A0}" type="presParOf" srcId="{E2C92C26-1FDD-4002-8E82-1D7F1B0BD8EC}" destId="{4D336597-D963-4C30-B2E4-C45D45087F89}" srcOrd="5" destOrd="0" presId="urn:microsoft.com/office/officeart/2005/8/layout/vList2"/>
+    <dgm:cxn modelId="{B6748FD3-30B8-4625-AB52-44E577E9B9EC}" type="presParOf" srcId="{E2C92C26-1FDD-4002-8E82-1D7F1B0BD8EC}" destId="{63888720-E4A3-48BC-B6A8-117E2370F338}" srcOrd="6" destOrd="0" presId="urn:microsoft.com/office/officeart/2005/8/layout/vList2"/>
+    <dgm:cxn modelId="{C21EF483-D485-4DEF-B895-62AC1A6F7283}" type="presOf" srcId="{CAE8F54B-6D5D-4C1D-A8CE-7FE2D1C225B5}" destId="{63888720-E4A3-48BC-B6A8-117E2370F338}" srcOrd="0" destOrd="0" presId="urn:microsoft.com/office/officeart/2005/8/layout/vList2"/>
+    <dgm:cxn modelId="{29B7F6FB-4FC6-4081-8B15-6D18BF192D57}" type="presParOf" srcId="{E2C92C26-1FDD-4002-8E82-1D7F1B0BD8EC}" destId="{4ACBFCB5-122A-4CD5-84E8-3706B4BA6490}" srcOrd="7" destOrd="0" presId="urn:microsoft.com/office/officeart/2005/8/layout/vList2"/>
+    <dgm:cxn modelId="{1525D51E-E767-42A5-9415-3A7637C093C6}" type="presParOf" srcId="{E2C92C26-1FDD-4002-8E82-1D7F1B0BD8EC}" destId="{25AFF23C-40CF-4A0D-840E-DD2AE11D9436}" srcOrd="8" destOrd="0" presId="urn:microsoft.com/office/officeart/2005/8/layout/vList2"/>
+    <dgm:cxn modelId="{AFE72188-DF96-4507-814E-6D1BCDB4299D}" type="presOf" srcId="{D39CD7FB-9BCC-4B01-832D-0759CA0131FC}" destId="{25AFF23C-40CF-4A0D-840E-DD2AE11D9436}" srcOrd="0" destOrd="0" presId="urn:microsoft.com/office/officeart/2005/8/layout/vList2"/>
   </dgm:cxnLst>
   <dgm:bg/>
   <dgm:whole/>
